--- a/Final review ppt.pptx
+++ b/Final review ppt.pptx
@@ -5,7 +5,7 @@
     <p:sldMasterId id="2147483648" r:id="rId1"/>
   </p:sldMasterIdLst>
   <p:notesMasterIdLst>
-    <p:notesMasterId r:id="rId16"/>
+    <p:notesMasterId r:id="rId17"/>
   </p:notesMasterIdLst>
   <p:sldIdLst>
     <p:sldId id="256" r:id="rId2"/>
@@ -18,10 +18,11 @@
     <p:sldId id="263" r:id="rId9"/>
     <p:sldId id="264" r:id="rId10"/>
     <p:sldId id="265" r:id="rId11"/>
-    <p:sldId id="266" r:id="rId12"/>
-    <p:sldId id="267" r:id="rId13"/>
-    <p:sldId id="268" r:id="rId14"/>
-    <p:sldId id="269" r:id="rId15"/>
+    <p:sldId id="270" r:id="rId12"/>
+    <p:sldId id="266" r:id="rId13"/>
+    <p:sldId id="267" r:id="rId14"/>
+    <p:sldId id="268" r:id="rId15"/>
+    <p:sldId id="269" r:id="rId16"/>
   </p:sldIdLst>
   <p:sldSz cx="12192000" cy="6858000"/>
   <p:notesSz cx="6858000" cy="9144000"/>
@@ -120,6 +121,11 @@
       </a:defRPr>
     </a:lvl9pPr>
   </p:defaultTextStyle>
+  <p:extLst>
+    <p:ext uri="{EFAFB233-063F-42B5-8137-9DF3F51BA10A}">
+      <p15:sldGuideLst xmlns:p15="http://schemas.microsoft.com/office/powerpoint/2012/main"/>
+    </p:ext>
+  </p:extLst>
 </p:presentation>
 </file>
 
@@ -4945,6 +4951,102 @@
       </p:grpSpPr>
       <p:sp>
         <p:nvSpPr>
+          <p:cNvPr id="2" name="Title 1">
+            <a:extLst>
+              <a:ext uri="{FF2B5EF4-FFF2-40B4-BE49-F238E27FC236}">
+                <a16:creationId xmlns:a16="http://schemas.microsoft.com/office/drawing/2014/main" id="{E1625AAB-ADEE-0DFA-DC60-F4A1B45B2954}"/>
+              </a:ext>
+            </a:extLst>
+          </p:cNvPr>
+          <p:cNvSpPr>
+            <a:spLocks noGrp="1"/>
+          </p:cNvSpPr>
+          <p:nvPr>
+            <p:ph type="title"/>
+          </p:nvPr>
+        </p:nvSpPr>
+        <p:spPr/>
+        <p:txBody>
+          <a:bodyPr/>
+          <a:lstStyle/>
+          <a:p>
+            <a:endParaRPr lang="en-IN"/>
+          </a:p>
+        </p:txBody>
+      </p:sp>
+      <p:sp>
+        <p:nvSpPr>
+          <p:cNvPr id="3" name="Content Placeholder 2">
+            <a:extLst>
+              <a:ext uri="{FF2B5EF4-FFF2-40B4-BE49-F238E27FC236}">
+                <a16:creationId xmlns:a16="http://schemas.microsoft.com/office/drawing/2014/main" id="{C7A064DA-B67D-00B3-F73F-2275B8F52337}"/>
+              </a:ext>
+            </a:extLst>
+          </p:cNvPr>
+          <p:cNvSpPr>
+            <a:spLocks noGrp="1"/>
+          </p:cNvSpPr>
+          <p:nvPr>
+            <p:ph idx="1"/>
+          </p:nvPr>
+        </p:nvSpPr>
+        <p:spPr/>
+        <p:txBody>
+          <a:bodyPr/>
+          <a:lstStyle/>
+          <a:p>
+            <a:r>
+              <a:rPr lang="en-IN" dirty="0"/>
+              <a:t>Git Hub link: </a:t>
+            </a:r>
+            <a:r>
+              <a:rPr lang="en-IN" dirty="0">
+                <a:hlinkClick r:id="rId2"/>
+              </a:rPr>
+              <a:t>https://github.com/sudiksha3</a:t>
+            </a:r>
+            <a:r>
+              <a:rPr lang="en-IN">
+                <a:hlinkClick r:id="rId2"/>
+              </a:rPr>
+              <a:t>/Mental-Health-Tracker</a:t>
+            </a:r>
+            <a:endParaRPr lang="en-IN" dirty="0"/>
+          </a:p>
+        </p:txBody>
+      </p:sp>
+    </p:spTree>
+    <p:extLst>
+      <p:ext uri="{BB962C8B-B14F-4D97-AF65-F5344CB8AC3E}">
+        <p14:creationId xmlns:p14="http://schemas.microsoft.com/office/powerpoint/2010/main" val="3874659690"/>
+      </p:ext>
+    </p:extLst>
+  </p:cSld>
+  <p:clrMapOvr>
+    <a:masterClrMapping/>
+  </p:clrMapOvr>
+</p:sld>
+</file>
+
+<file path=ppt/slides/slide12.xml><?xml version="1.0" encoding="utf-8"?>
+<p:sld xmlns:a="http://schemas.openxmlformats.org/drawingml/2006/main" xmlns:r="http://schemas.openxmlformats.org/officeDocument/2006/relationships" xmlns:p="http://schemas.openxmlformats.org/presentationml/2006/main">
+  <p:cSld>
+    <p:spTree>
+      <p:nvGrpSpPr>
+        <p:cNvPr id="1" name=""/>
+        <p:cNvGrpSpPr/>
+        <p:nvPr/>
+      </p:nvGrpSpPr>
+      <p:grpSpPr>
+        <a:xfrm>
+          <a:off x="0" y="0"/>
+          <a:ext cx="0" cy="0"/>
+          <a:chOff x="0" y="0"/>
+          <a:chExt cx="0" cy="0"/>
+        </a:xfrm>
+      </p:grpSpPr>
+      <p:sp>
+        <p:nvSpPr>
           <p:cNvPr id="2" name="Title 1"/>
           <p:cNvSpPr>
             <a:spLocks noGrp="1"/>
@@ -5134,7 +5236,7 @@
 </p:sld>
 </file>
 
-<file path=ppt/slides/slide12.xml><?xml version="1.0" encoding="utf-8"?>
+<file path=ppt/slides/slide13.xml><?xml version="1.0" encoding="utf-8"?>
 <p:sld xmlns:a="http://schemas.openxmlformats.org/drawingml/2006/main" xmlns:r="http://schemas.openxmlformats.org/officeDocument/2006/relationships" xmlns:p="http://schemas.openxmlformats.org/presentationml/2006/main">
   <p:cSld>
     <p:spTree>
@@ -5361,7 +5463,7 @@
 </p:sld>
 </file>
 
-<file path=ppt/slides/slide13.xml><?xml version="1.0" encoding="utf-8"?>
+<file path=ppt/slides/slide14.xml><?xml version="1.0" encoding="utf-8"?>
 <p:sld xmlns:a="http://schemas.openxmlformats.org/drawingml/2006/main" xmlns:r="http://schemas.openxmlformats.org/officeDocument/2006/relationships" xmlns:p="http://schemas.openxmlformats.org/presentationml/2006/main">
   <p:cSld>
     <p:spTree>
@@ -5556,7 +5658,7 @@
 </p:sld>
 </file>
 
-<file path=ppt/slides/slide14.xml><?xml version="1.0" encoding="utf-8"?>
+<file path=ppt/slides/slide15.xml><?xml version="1.0" encoding="utf-8"?>
 <p:sld xmlns:a="http://schemas.openxmlformats.org/drawingml/2006/main" xmlns:r="http://schemas.openxmlformats.org/officeDocument/2006/relationships" xmlns:p="http://schemas.openxmlformats.org/presentationml/2006/main">
   <p:cSld>
     <p:spTree>
